--- a/lesson9/class-remaining.pptx
+++ b/lesson9/class-remaining.pptx
@@ -13,6 +13,7 @@
     <p:sldId id="260" r:id="rId7"/>
     <p:sldId id="262" r:id="rId8"/>
     <p:sldId id="263" r:id="rId9"/>
+    <p:sldId id="264" r:id="rId10"/>
   </p:sldIdLst>
   <p:sldSz cx="9144000" cy="6858000" type="screen4x3"/>
   <p:notesSz cx="6858000" cy="9144000"/>
@@ -296,7 +297,7 @@
             <a:fld id="{530820CF-B880-4189-942D-D702A7CBA730}" type="datetimeFigureOut">
               <a:rPr lang="zh-CN" altLang="en-US" smtClean="0"/>
               <a:pPr/>
-              <a:t>2015/4/19</a:t>
+              <a:t>2015/4/21</a:t>
             </a:fld>
             <a:endParaRPr lang="zh-CN" altLang="en-US"/>
           </a:p>
@@ -463,7 +464,7 @@
             <a:fld id="{530820CF-B880-4189-942D-D702A7CBA730}" type="datetimeFigureOut">
               <a:rPr lang="zh-CN" altLang="en-US" smtClean="0"/>
               <a:pPr/>
-              <a:t>2015/4/19</a:t>
+              <a:t>2015/4/21</a:t>
             </a:fld>
             <a:endParaRPr lang="zh-CN" altLang="en-US"/>
           </a:p>
@@ -640,7 +641,7 @@
             <a:fld id="{530820CF-B880-4189-942D-D702A7CBA730}" type="datetimeFigureOut">
               <a:rPr lang="zh-CN" altLang="en-US" smtClean="0"/>
               <a:pPr/>
-              <a:t>2015/4/19</a:t>
+              <a:t>2015/4/21</a:t>
             </a:fld>
             <a:endParaRPr lang="zh-CN" altLang="en-US"/>
           </a:p>
@@ -807,7 +808,7 @@
             <a:fld id="{530820CF-B880-4189-942D-D702A7CBA730}" type="datetimeFigureOut">
               <a:rPr lang="zh-CN" altLang="en-US" smtClean="0"/>
               <a:pPr/>
-              <a:t>2015/4/19</a:t>
+              <a:t>2015/4/21</a:t>
             </a:fld>
             <a:endParaRPr lang="zh-CN" altLang="en-US"/>
           </a:p>
@@ -1050,7 +1051,7 @@
             <a:fld id="{530820CF-B880-4189-942D-D702A7CBA730}" type="datetimeFigureOut">
               <a:rPr lang="zh-CN" altLang="en-US" smtClean="0"/>
               <a:pPr/>
-              <a:t>2015/4/19</a:t>
+              <a:t>2015/4/21</a:t>
             </a:fld>
             <a:endParaRPr lang="zh-CN" altLang="en-US"/>
           </a:p>
@@ -1335,7 +1336,7 @@
             <a:fld id="{530820CF-B880-4189-942D-D702A7CBA730}" type="datetimeFigureOut">
               <a:rPr lang="zh-CN" altLang="en-US" smtClean="0"/>
               <a:pPr/>
-              <a:t>2015/4/19</a:t>
+              <a:t>2015/4/21</a:t>
             </a:fld>
             <a:endParaRPr lang="zh-CN" altLang="en-US"/>
           </a:p>
@@ -1754,7 +1755,7 @@
             <a:fld id="{530820CF-B880-4189-942D-D702A7CBA730}" type="datetimeFigureOut">
               <a:rPr lang="zh-CN" altLang="en-US" smtClean="0"/>
               <a:pPr/>
-              <a:t>2015/4/19</a:t>
+              <a:t>2015/4/21</a:t>
             </a:fld>
             <a:endParaRPr lang="zh-CN" altLang="en-US"/>
           </a:p>
@@ -1869,7 +1870,7 @@
             <a:fld id="{530820CF-B880-4189-942D-D702A7CBA730}" type="datetimeFigureOut">
               <a:rPr lang="zh-CN" altLang="en-US" smtClean="0"/>
               <a:pPr/>
-              <a:t>2015/4/19</a:t>
+              <a:t>2015/4/21</a:t>
             </a:fld>
             <a:endParaRPr lang="zh-CN" altLang="en-US"/>
           </a:p>
@@ -1961,7 +1962,7 @@
             <a:fld id="{530820CF-B880-4189-942D-D702A7CBA730}" type="datetimeFigureOut">
               <a:rPr lang="zh-CN" altLang="en-US" smtClean="0"/>
               <a:pPr/>
-              <a:t>2015/4/19</a:t>
+              <a:t>2015/4/21</a:t>
             </a:fld>
             <a:endParaRPr lang="zh-CN" altLang="en-US"/>
           </a:p>
@@ -2235,7 +2236,7 @@
             <a:fld id="{530820CF-B880-4189-942D-D702A7CBA730}" type="datetimeFigureOut">
               <a:rPr lang="zh-CN" altLang="en-US" smtClean="0"/>
               <a:pPr/>
-              <a:t>2015/4/19</a:t>
+              <a:t>2015/4/21</a:t>
             </a:fld>
             <a:endParaRPr lang="zh-CN" altLang="en-US"/>
           </a:p>
@@ -2485,7 +2486,7 @@
             <a:fld id="{530820CF-B880-4189-942D-D702A7CBA730}" type="datetimeFigureOut">
               <a:rPr lang="zh-CN" altLang="en-US" smtClean="0"/>
               <a:pPr/>
-              <a:t>2015/4/19</a:t>
+              <a:t>2015/4/21</a:t>
             </a:fld>
             <a:endParaRPr lang="zh-CN" altLang="en-US"/>
           </a:p>
@@ -2695,7 +2696,7 @@
             <a:fld id="{530820CF-B880-4189-942D-D702A7CBA730}" type="datetimeFigureOut">
               <a:rPr lang="zh-CN" altLang="en-US" smtClean="0"/>
               <a:pPr/>
-              <a:t>2015/4/19</a:t>
+              <a:t>2015/4/21</a:t>
             </a:fld>
             <a:endParaRPr lang="zh-CN" altLang="en-US"/>
           </a:p>
@@ -3113,6 +3114,13 @@
   <p:clrMapOvr>
     <a:masterClrMapping/>
   </p:clrMapOvr>
+  <p:timing>
+    <p:tnLst>
+      <p:par>
+        <p:cTn id="1" dur="indefinite" restart="never" nodeType="tmRoot"/>
+      </p:par>
+    </p:tnLst>
+  </p:timing>
 </p:sld>
 </file>
 
@@ -3179,85 +3187,58 @@
           <a:p>
             <a:r>
               <a:rPr lang="zh-CN" altLang="en-US" dirty="0" smtClean="0"/>
-              <a:t>类</a:t>
+              <a:t>类中的</a:t>
+            </a:r>
+            <a:r>
+              <a:rPr lang="en-US" altLang="zh-CN" dirty="0" smtClean="0"/>
+              <a:t>this</a:t>
             </a:r>
             <a:r>
               <a:rPr lang="zh-CN" altLang="en-US" dirty="0" smtClean="0"/>
-              <a:t>中的</a:t>
-            </a:r>
-            <a:r>
-              <a:rPr lang="en-US" altLang="zh-CN" dirty="0" smtClean="0"/>
-              <a:t>this</a:t>
-            </a:r>
+              <a:t>，是当前实例化对象的引用</a:t>
+            </a:r>
+            <a:endParaRPr lang="en-US" altLang="zh-CN" dirty="0" smtClean="0"/>
+          </a:p>
+          <a:p>
             <a:r>
               <a:rPr lang="zh-CN" altLang="en-US" dirty="0" smtClean="0"/>
-              <a:t>，是</a:t>
-            </a:r>
-            <a:r>
-              <a:rPr lang="zh-CN" altLang="en-US" dirty="0" smtClean="0"/>
-              <a:t>当前</a:t>
-            </a:r>
-            <a:r>
-              <a:rPr lang="zh-CN" altLang="en-US" dirty="0" smtClean="0"/>
-              <a:t>实例化对象的引用</a:t>
+              <a:t>例如：</a:t>
             </a:r>
             <a:endParaRPr lang="en-US" altLang="zh-CN" dirty="0" smtClean="0"/>
           </a:p>
           <a:p>
             <a:r>
-              <a:rPr lang="zh-CN" altLang="en-US" dirty="0" smtClean="0"/>
-              <a:t>例</a:t>
-            </a:r>
-            <a:r>
-              <a:rPr lang="zh-CN" altLang="en-US" dirty="0" smtClean="0"/>
-              <a:t>如：</a:t>
+              <a:rPr lang="en-US" altLang="zh-CN" dirty="0" smtClean="0"/>
+              <a:t>public class Person{</a:t>
+            </a:r>
+          </a:p>
+          <a:p>
+            <a:r>
+              <a:rPr lang="en-US" altLang="zh-CN" dirty="0" smtClean="0"/>
+              <a:t>  private String name;</a:t>
+            </a:r>
+          </a:p>
+          <a:p>
+            <a:r>
+              <a:rPr lang="en-US" altLang="zh-CN" dirty="0" smtClean="0"/>
+              <a:t>  public Person(String </a:t>
+            </a:r>
+            <a:r>
+              <a:rPr lang="en-US" altLang="zh-CN" dirty="0" smtClean="0"/>
+              <a:t>name)</a:t>
             </a:r>
             <a:endParaRPr lang="en-US" altLang="zh-CN" dirty="0" smtClean="0"/>
           </a:p>
           <a:p>
             <a:r>
               <a:rPr lang="en-US" altLang="zh-CN" dirty="0" smtClean="0"/>
-              <a:t>public class Person{</a:t>
-            </a:r>
-          </a:p>
-          <a:p>
-            <a:r>
-              <a:rPr lang="en-US" altLang="zh-CN" dirty="0" smtClean="0"/>
-              <a:t> </a:t>
-            </a:r>
-            <a:r>
-              <a:rPr lang="en-US" altLang="zh-CN" dirty="0" smtClean="0"/>
-              <a:t> private String name;</a:t>
-            </a:r>
-          </a:p>
-          <a:p>
-            <a:r>
-              <a:rPr lang="en-US" altLang="zh-CN" dirty="0" smtClean="0"/>
-              <a:t> </a:t>
-            </a:r>
-            <a:r>
-              <a:rPr lang="en-US" altLang="zh-CN" dirty="0" smtClean="0"/>
-              <a:t> public Person(String name)</a:t>
-            </a:r>
-          </a:p>
-          <a:p>
-            <a:r>
-              <a:rPr lang="en-US" altLang="zh-CN" dirty="0" smtClean="0"/>
-              <a:t> </a:t>
-            </a:r>
-            <a:r>
-              <a:rPr lang="en-US" altLang="zh-CN" dirty="0" smtClean="0"/>
-              <a:t> {</a:t>
-            </a:r>
-          </a:p>
-          <a:p>
-            <a:r>
-              <a:rPr lang="en-US" altLang="zh-CN" dirty="0" smtClean="0"/>
-              <a:t> </a:t>
-            </a:r>
-            <a:r>
-              <a:rPr lang="en-US" altLang="zh-CN" dirty="0" smtClean="0"/>
-              <a:t>   </a:t>
+              <a:t>  {</a:t>
+            </a:r>
+          </a:p>
+          <a:p>
+            <a:r>
+              <a:rPr lang="en-US" altLang="zh-CN" dirty="0" smtClean="0"/>
+              <a:t>    </a:t>
             </a:r>
             <a:r>
               <a:rPr lang="en-US" altLang="zh-CN" dirty="0" err="1" smtClean="0"/>
@@ -3265,17 +3246,22 @@
             </a:r>
             <a:r>
               <a:rPr lang="en-US" altLang="zh-CN" dirty="0" smtClean="0"/>
-              <a:t> = name;</a:t>
-            </a:r>
-          </a:p>
-          <a:p>
-            <a:r>
-              <a:rPr lang="en-US" altLang="zh-CN" dirty="0" smtClean="0"/>
               <a:t> </a:t>
             </a:r>
             <a:r>
               <a:rPr lang="en-US" altLang="zh-CN" dirty="0" smtClean="0"/>
-              <a:t>  }</a:t>
+              <a:t>= </a:t>
+            </a:r>
+            <a:r>
+              <a:rPr lang="en-US" altLang="zh-CN" dirty="0" smtClean="0"/>
+              <a:t>name;</a:t>
+            </a:r>
+            <a:endParaRPr lang="en-US" altLang="zh-CN" dirty="0" smtClean="0"/>
+          </a:p>
+          <a:p>
+            <a:r>
+              <a:rPr lang="en-US" altLang="zh-CN" dirty="0" smtClean="0"/>
+              <a:t>   }</a:t>
             </a:r>
           </a:p>
           <a:p>
@@ -3315,23 +3301,15 @@
             <a:pPr lvl="1"/>
             <a:r>
               <a:rPr lang="zh-CN" altLang="en-US" dirty="0" smtClean="0"/>
-              <a:t>可</a:t>
-            </a:r>
+              <a:t>可以省略</a:t>
+            </a:r>
+            <a:endParaRPr lang="en-US" altLang="zh-CN" dirty="0" smtClean="0"/>
+          </a:p>
+          <a:p>
+            <a:pPr lvl="1"/>
             <a:r>
               <a:rPr lang="zh-CN" altLang="en-US" dirty="0" smtClean="0"/>
-              <a:t>以省略</a:t>
-            </a:r>
-            <a:endParaRPr lang="en-US" altLang="zh-CN" dirty="0" smtClean="0"/>
-          </a:p>
-          <a:p>
-            <a:pPr lvl="1"/>
-            <a:r>
-              <a:rPr lang="zh-CN" altLang="en-US" dirty="0" smtClean="0"/>
-              <a:t>为</a:t>
-            </a:r>
-            <a:r>
-              <a:rPr lang="zh-CN" altLang="en-US" dirty="0" smtClean="0"/>
-              <a:t>了避免名称冲突，可显式写出</a:t>
+              <a:t>为了避免名称冲突，可显式写出</a:t>
             </a:r>
             <a:endParaRPr lang="en-US" altLang="zh-CN" dirty="0" smtClean="0"/>
           </a:p>
@@ -3342,6 +3320,13 @@
   <p:clrMapOvr>
     <a:masterClrMapping/>
   </p:clrMapOvr>
+  <p:timing>
+    <p:tnLst>
+      <p:par>
+        <p:cTn id="1" dur="indefinite" restart="never" nodeType="tmRoot"/>
+      </p:par>
+    </p:tnLst>
+  </p:timing>
 </p:sld>
 </file>
 
@@ -3415,19 +3400,28 @@
           <a:p>
             <a:r>
               <a:rPr lang="zh-CN" altLang="en-US" dirty="0" smtClean="0"/>
-              <a:t>例</a:t>
-            </a:r>
-            <a:r>
-              <a:rPr lang="zh-CN" altLang="en-US" dirty="0" smtClean="0"/>
-              <a:t>如：</a:t>
+              <a:t>例如：</a:t>
             </a:r>
             <a:endParaRPr lang="en-US" altLang="zh-CN" dirty="0" smtClean="0"/>
           </a:p>
           <a:p>
             <a:r>
               <a:rPr lang="en-US" altLang="zh-CN" dirty="0" smtClean="0"/>
-              <a:t>public class Square{</a:t>
-            </a:r>
+              <a:t>public class </a:t>
+            </a:r>
+            <a:r>
+              <a:rPr lang="en-US" altLang="zh-CN" dirty="0" smtClean="0"/>
+              <a:t>Square exte</a:t>
+            </a:r>
+            <a:r>
+              <a:rPr lang="en-US" altLang="zh-CN" dirty="0" smtClean="0"/>
+              <a:t>nds Rectangle</a:t>
+            </a:r>
+            <a:r>
+              <a:rPr lang="en-US" altLang="zh-CN" dirty="0" smtClean="0"/>
+              <a:t>{</a:t>
+            </a:r>
+            <a:endParaRPr lang="en-US" altLang="zh-CN" dirty="0" smtClean="0"/>
           </a:p>
           <a:p>
             <a:r>
@@ -3446,15 +3440,15 @@
           <a:p>
             <a:r>
               <a:rPr lang="en-US" altLang="zh-CN" dirty="0" smtClean="0"/>
-              <a:t> </a:t>
-            </a:r>
-            <a:r>
-              <a:rPr lang="en-US" altLang="zh-CN" dirty="0" smtClean="0"/>
-              <a:t>  super(size, size);  //</a:t>
+              <a:t>   super(size, size);  //</a:t>
             </a:r>
             <a:r>
               <a:rPr lang="zh-CN" altLang="en-US" dirty="0" smtClean="0"/>
-              <a:t>长和宽</a:t>
+              <a:t>长和</a:t>
+            </a:r>
+            <a:r>
+              <a:rPr lang="zh-CN" altLang="en-US" dirty="0" smtClean="0"/>
+              <a:t>宽</a:t>
             </a:r>
             <a:endParaRPr lang="en-US" altLang="zh-CN" dirty="0" smtClean="0"/>
           </a:p>
@@ -3494,6 +3488,13 @@
   <p:clrMapOvr>
     <a:masterClrMapping/>
   </p:clrMapOvr>
+  <p:timing>
+    <p:tnLst>
+      <p:par>
+        <p:cTn id="1" dur="indefinite" restart="never" nodeType="tmRoot"/>
+      </p:par>
+    </p:tnLst>
+  </p:timing>
 </p:sld>
 </file>
 
@@ -3584,6 +3585,13 @@
   <p:clrMapOvr>
     <a:masterClrMapping/>
   </p:clrMapOvr>
+  <p:timing>
+    <p:tnLst>
+      <p:par>
+        <p:cTn id="1" dur="indefinite" restart="never" nodeType="tmRoot"/>
+      </p:par>
+    </p:tnLst>
+  </p:timing>
 </p:sld>
 </file>
 
@@ -3703,6 +3711,13 @@
   <p:clrMapOvr>
     <a:masterClrMapping/>
   </p:clrMapOvr>
+  <p:timing>
+    <p:tnLst>
+      <p:par>
+        <p:cTn id="1" dur="indefinite" restart="never" nodeType="tmRoot"/>
+      </p:par>
+    </p:tnLst>
+  </p:timing>
 </p:sld>
 </file>
 
@@ -3778,22 +3793,14 @@
           <a:p>
             <a:r>
               <a:rPr lang="zh-CN" altLang="en-US" dirty="0" smtClean="0"/>
-              <a:t>主</a:t>
-            </a:r>
+              <a:t>主要用于输出等</a:t>
+            </a:r>
+            <a:endParaRPr lang="en-US" altLang="zh-CN" dirty="0" smtClean="0"/>
+          </a:p>
+          <a:p>
             <a:r>
               <a:rPr lang="zh-CN" altLang="en-US" dirty="0" smtClean="0"/>
-              <a:t>要用于输出等</a:t>
-            </a:r>
-            <a:endParaRPr lang="en-US" altLang="zh-CN" dirty="0" smtClean="0"/>
-          </a:p>
-          <a:p>
-            <a:r>
-              <a:rPr lang="zh-CN" altLang="en-US" dirty="0" smtClean="0"/>
-              <a:t>我</a:t>
-            </a:r>
-            <a:r>
-              <a:rPr lang="zh-CN" altLang="en-US" dirty="0" smtClean="0"/>
-              <a:t>们可以</a:t>
+              <a:t>我们可以</a:t>
             </a:r>
             <a:r>
               <a:rPr lang="en-US" altLang="zh-CN" dirty="0" smtClean="0"/>
@@ -3808,11 +3815,7 @@
           <a:p>
             <a:r>
               <a:rPr lang="zh-CN" altLang="en-US" dirty="0" smtClean="0"/>
-              <a:t>例</a:t>
-            </a:r>
-            <a:r>
-              <a:rPr lang="zh-CN" altLang="en-US" dirty="0" smtClean="0"/>
-              <a:t>如：当</a:t>
+              <a:t>例如：当</a:t>
             </a:r>
             <a:r>
               <a:rPr lang="en-US" altLang="zh-CN" dirty="0" smtClean="0"/>
@@ -3843,6 +3846,13 @@
   <p:clrMapOvr>
     <a:masterClrMapping/>
   </p:clrMapOvr>
+  <p:timing>
+    <p:tnLst>
+      <p:par>
+        <p:cTn id="1" dur="indefinite" restart="never" nodeType="tmRoot"/>
+      </p:par>
+    </p:tnLst>
+  </p:timing>
 </p:sld>
 </file>
 
@@ -3880,11 +3890,7 @@
           <a:p>
             <a:r>
               <a:rPr lang="zh-CN" altLang="en-US" dirty="0" smtClean="0"/>
-              <a:t>关</a:t>
-            </a:r>
-            <a:r>
-              <a:rPr lang="zh-CN" altLang="en-US" dirty="0" smtClean="0"/>
-              <a:t>于</a:t>
+              <a:t>关于</a:t>
             </a:r>
             <a:r>
               <a:rPr lang="en-US" altLang="zh-CN" dirty="0" smtClean="0"/>
@@ -3926,11 +3932,22 @@
           <a:p>
             <a:r>
               <a:rPr lang="zh-CN" altLang="en-US" dirty="0" smtClean="0"/>
-              <a:t>当一</a:t>
+              <a:t>当一个成员变量被定义为</a:t>
+            </a:r>
+            <a:r>
+              <a:rPr lang="en-US" altLang="zh-CN" dirty="0" smtClean="0"/>
+              <a:t>final</a:t>
             </a:r>
             <a:r>
               <a:rPr lang="zh-CN" altLang="en-US" dirty="0" smtClean="0"/>
-              <a:t>个成员变量被定义为</a:t>
+              <a:t>时，则不能修改</a:t>
+            </a:r>
+            <a:endParaRPr lang="en-US" altLang="zh-CN" dirty="0" smtClean="0"/>
+          </a:p>
+          <a:p>
+            <a:r>
+              <a:rPr lang="zh-CN" altLang="en-US" dirty="0" smtClean="0"/>
+              <a:t>当一个成员方法被定义为</a:t>
             </a:r>
             <a:r>
               <a:rPr lang="en-US" altLang="zh-CN" dirty="0" smtClean="0"/>
@@ -3938,38 +3955,7 @@
             </a:r>
             <a:r>
               <a:rPr lang="zh-CN" altLang="en-US" dirty="0" smtClean="0"/>
-              <a:t>时，则不能</a:t>
-            </a:r>
-            <a:r>
-              <a:rPr lang="zh-CN" altLang="en-US" dirty="0" smtClean="0"/>
-              <a:t>修改</a:t>
-            </a:r>
-            <a:endParaRPr lang="en-US" altLang="zh-CN" dirty="0" smtClean="0"/>
-          </a:p>
-          <a:p>
-            <a:r>
-              <a:rPr lang="zh-CN" altLang="en-US" dirty="0" smtClean="0"/>
-              <a:t>当一个成</a:t>
-            </a:r>
-            <a:r>
-              <a:rPr lang="zh-CN" altLang="en-US" dirty="0" smtClean="0"/>
-              <a:t>员方</a:t>
-            </a:r>
-            <a:r>
-              <a:rPr lang="zh-CN" altLang="en-US" dirty="0" smtClean="0"/>
-              <a:t>法被定义为</a:t>
-            </a:r>
-            <a:r>
-              <a:rPr lang="en-US" altLang="zh-CN" dirty="0" smtClean="0"/>
-              <a:t>final</a:t>
-            </a:r>
-            <a:r>
-              <a:rPr lang="zh-CN" altLang="en-US" dirty="0" smtClean="0"/>
-              <a:t>时，则不</a:t>
-            </a:r>
-            <a:r>
-              <a:rPr lang="zh-CN" altLang="en-US" dirty="0" smtClean="0"/>
-              <a:t>能覆盖</a:t>
+              <a:t>时，则不能覆盖</a:t>
             </a:r>
             <a:r>
               <a:rPr lang="en-US" altLang="zh-CN" dirty="0" smtClean="0"/>
@@ -3987,6 +3973,13 @@
   <p:clrMapOvr>
     <a:masterClrMapping/>
   </p:clrMapOvr>
+  <p:timing>
+    <p:tnLst>
+      <p:par>
+        <p:cTn id="1" dur="indefinite" restart="never" nodeType="tmRoot"/>
+      </p:par>
+    </p:tnLst>
+  </p:timing>
 </p:sld>
 </file>
 
@@ -4062,11 +4055,7 @@
           <a:p>
             <a:r>
               <a:rPr lang="zh-CN" altLang="en-US" dirty="0" smtClean="0"/>
-              <a:t>抽象</a:t>
-            </a:r>
-            <a:r>
-              <a:rPr lang="zh-CN" altLang="en-US" dirty="0" smtClean="0"/>
-              <a:t>类主要用于提供一些默认的实现，它</a:t>
+              <a:t>抽象类主要用于提供一些默认的实现，它</a:t>
             </a:r>
             <a:r>
               <a:rPr lang="zh-CN" altLang="en-US" b="1" dirty="0" smtClean="0"/>
@@ -4082,6 +4071,148 @@
             <a:r>
               <a:rPr lang="zh-CN" altLang="en-US" dirty="0" smtClean="0"/>
               <a:t>也用于修饰一个成员方法，则此方法没有定义，只有声明，必须在子类中定义</a:t>
+            </a:r>
+            <a:endParaRPr lang="zh-CN" altLang="en-US" dirty="0"/>
+          </a:p>
+        </p:txBody>
+      </p:sp>
+    </p:spTree>
+  </p:cSld>
+  <p:clrMapOvr>
+    <a:masterClrMapping/>
+  </p:clrMapOvr>
+  <p:timing>
+    <p:tnLst>
+      <p:par>
+        <p:cTn id="1" dur="indefinite" restart="never" nodeType="tmRoot"/>
+      </p:par>
+    </p:tnLst>
+  </p:timing>
+</p:sld>
+</file>
+
+<file path=ppt/slides/slide9.xml><?xml version="1.0" encoding="utf-8"?>
+<p:sld xmlns:a="http://schemas.openxmlformats.org/drawingml/2006/main" xmlns:r="http://schemas.openxmlformats.org/officeDocument/2006/relationships" xmlns:p="http://schemas.openxmlformats.org/presentationml/2006/main">
+  <p:cSld>
+    <p:spTree>
+      <p:nvGrpSpPr>
+        <p:cNvPr id="1" name=""/>
+        <p:cNvGrpSpPr/>
+        <p:nvPr/>
+      </p:nvGrpSpPr>
+      <p:grpSpPr>
+        <a:xfrm>
+          <a:off x="0" y="0"/>
+          <a:ext cx="0" cy="0"/>
+          <a:chOff x="0" y="0"/>
+          <a:chExt cx="0" cy="0"/>
+        </a:xfrm>
+      </p:grpSpPr>
+      <p:sp>
+        <p:nvSpPr>
+          <p:cNvPr id="2" name="标题 1"/>
+          <p:cNvSpPr>
+            <a:spLocks noGrp="1"/>
+          </p:cNvSpPr>
+          <p:nvPr>
+            <p:ph type="title"/>
+          </p:nvPr>
+        </p:nvSpPr>
+        <p:spPr/>
+        <p:txBody>
+          <a:bodyPr/>
+          <a:lstStyle/>
+          <a:p>
+            <a:r>
+              <a:rPr lang="en-US" altLang="zh-CN" dirty="0" smtClean="0"/>
+              <a:t>interface</a:t>
+            </a:r>
+            <a:endParaRPr lang="zh-CN" altLang="en-US" dirty="0"/>
+          </a:p>
+        </p:txBody>
+      </p:sp>
+      <p:sp>
+        <p:nvSpPr>
+          <p:cNvPr id="3" name="内容占位符 2"/>
+          <p:cNvSpPr>
+            <a:spLocks noGrp="1"/>
+          </p:cNvSpPr>
+          <p:nvPr>
+            <p:ph idx="1"/>
+          </p:nvPr>
+        </p:nvSpPr>
+        <p:spPr/>
+        <p:txBody>
+          <a:bodyPr>
+            <a:normAutofit fontScale="85000" lnSpcReduction="20000"/>
+          </a:bodyPr>
+          <a:lstStyle/>
+          <a:p>
+            <a:r>
+              <a:rPr lang="en-US" altLang="zh-CN" dirty="0" smtClean="0"/>
+              <a:t>public interface </a:t>
+            </a:r>
+            <a:r>
+              <a:rPr lang="en-US" altLang="zh-CN" dirty="0" err="1" smtClean="0"/>
+              <a:t>MyInterface</a:t>
+            </a:r>
+            <a:r>
+              <a:rPr lang="en-US" altLang="zh-CN" dirty="0" smtClean="0"/>
+              <a:t>{</a:t>
+            </a:r>
+          </a:p>
+          <a:p>
+            <a:endParaRPr lang="en-US" altLang="zh-CN" dirty="0" smtClean="0"/>
+          </a:p>
+          <a:p>
+            <a:r>
+              <a:rPr lang="en-US" altLang="zh-CN" dirty="0" smtClean="0"/>
+              <a:t>}</a:t>
+            </a:r>
+          </a:p>
+          <a:p>
+            <a:endParaRPr lang="en-US" altLang="zh-CN" dirty="0" smtClean="0"/>
+          </a:p>
+          <a:p>
+            <a:r>
+              <a:rPr lang="en-US" altLang="zh-CN" dirty="0" smtClean="0"/>
+              <a:t>class Doctor;</a:t>
+            </a:r>
+          </a:p>
+          <a:p>
+            <a:r>
+              <a:rPr lang="en-US" altLang="zh-CN" dirty="0" smtClean="0"/>
+              <a:t>class Man;</a:t>
+            </a:r>
+          </a:p>
+          <a:p>
+            <a:endParaRPr lang="en-US" altLang="zh-CN" dirty="0" smtClean="0"/>
+          </a:p>
+          <a:p>
+            <a:r>
+              <a:rPr lang="en-US" altLang="zh-CN" dirty="0" smtClean="0"/>
+              <a:t>class </a:t>
+            </a:r>
+            <a:r>
+              <a:rPr lang="en-US" altLang="zh-CN" dirty="0" err="1" smtClean="0"/>
+              <a:t>MaleDoctor</a:t>
+            </a:r>
+            <a:r>
+              <a:rPr lang="en-US" altLang="zh-CN" dirty="0" smtClean="0"/>
+              <a:t>: Man, </a:t>
+            </a:r>
+            <a:r>
+              <a:rPr lang="en-US" altLang="zh-CN" smtClean="0"/>
+              <a:t>Doctor{</a:t>
+            </a:r>
+          </a:p>
+          <a:p>
+            <a:endParaRPr lang="en-US" altLang="zh-CN" dirty="0" smtClean="0"/>
+          </a:p>
+          <a:p>
+            <a:r>
+              <a:rPr lang="en-US" altLang="zh-CN" dirty="0" smtClean="0"/>
+              <a:t>}</a:t>
             </a:r>
             <a:endParaRPr lang="zh-CN" altLang="en-US" dirty="0"/>
           </a:p>
